--- a/chisq/界面.pptx
+++ b/chisq/界面.pptx
@@ -289,7 +289,7 @@
           <a:p>
             <a:fld id="{530820CF-B880-4189-942D-D702A7CBA730}" type="datetimeFigureOut">
               <a:rPr lang="zh-CN" altLang="en-US" smtClean="0"/>
-              <a:t>2021/12/21</a:t>
+              <a:t>2021/12/26</a:t>
             </a:fld>
             <a:endParaRPr lang="zh-CN" altLang="en-US"/>
           </a:p>
@@ -454,7 +454,7 @@
           <a:p>
             <a:fld id="{530820CF-B880-4189-942D-D702A7CBA730}" type="datetimeFigureOut">
               <a:rPr lang="zh-CN" altLang="en-US" smtClean="0"/>
-              <a:t>2021/12/21</a:t>
+              <a:t>2021/12/26</a:t>
             </a:fld>
             <a:endParaRPr lang="zh-CN" altLang="en-US"/>
           </a:p>
@@ -629,7 +629,7 @@
           <a:p>
             <a:fld id="{530820CF-B880-4189-942D-D702A7CBA730}" type="datetimeFigureOut">
               <a:rPr lang="zh-CN" altLang="en-US" smtClean="0"/>
-              <a:t>2021/12/21</a:t>
+              <a:t>2021/12/26</a:t>
             </a:fld>
             <a:endParaRPr lang="zh-CN" altLang="en-US"/>
           </a:p>
@@ -794,7 +794,7 @@
           <a:p>
             <a:fld id="{530820CF-B880-4189-942D-D702A7CBA730}" type="datetimeFigureOut">
               <a:rPr lang="zh-CN" altLang="en-US" smtClean="0"/>
-              <a:t>2021/12/21</a:t>
+              <a:t>2021/12/26</a:t>
             </a:fld>
             <a:endParaRPr lang="zh-CN" altLang="en-US"/>
           </a:p>
@@ -1035,7 +1035,7 @@
           <a:p>
             <a:fld id="{530820CF-B880-4189-942D-D702A7CBA730}" type="datetimeFigureOut">
               <a:rPr lang="zh-CN" altLang="en-US" smtClean="0"/>
-              <a:t>2021/12/21</a:t>
+              <a:t>2021/12/26</a:t>
             </a:fld>
             <a:endParaRPr lang="zh-CN" altLang="en-US"/>
           </a:p>
@@ -1318,7 +1318,7 @@
           <a:p>
             <a:fld id="{530820CF-B880-4189-942D-D702A7CBA730}" type="datetimeFigureOut">
               <a:rPr lang="zh-CN" altLang="en-US" smtClean="0"/>
-              <a:t>2021/12/21</a:t>
+              <a:t>2021/12/26</a:t>
             </a:fld>
             <a:endParaRPr lang="zh-CN" altLang="en-US"/>
           </a:p>
@@ -1735,7 +1735,7 @@
           <a:p>
             <a:fld id="{530820CF-B880-4189-942D-D702A7CBA730}" type="datetimeFigureOut">
               <a:rPr lang="zh-CN" altLang="en-US" smtClean="0"/>
-              <a:t>2021/12/21</a:t>
+              <a:t>2021/12/26</a:t>
             </a:fld>
             <a:endParaRPr lang="zh-CN" altLang="en-US"/>
           </a:p>
@@ -1848,7 +1848,7 @@
           <a:p>
             <a:fld id="{530820CF-B880-4189-942D-D702A7CBA730}" type="datetimeFigureOut">
               <a:rPr lang="zh-CN" altLang="en-US" smtClean="0"/>
-              <a:t>2021/12/21</a:t>
+              <a:t>2021/12/26</a:t>
             </a:fld>
             <a:endParaRPr lang="zh-CN" altLang="en-US"/>
           </a:p>
@@ -1938,7 +1938,7 @@
           <a:p>
             <a:fld id="{530820CF-B880-4189-942D-D702A7CBA730}" type="datetimeFigureOut">
               <a:rPr lang="zh-CN" altLang="en-US" smtClean="0"/>
-              <a:t>2021/12/21</a:t>
+              <a:t>2021/12/26</a:t>
             </a:fld>
             <a:endParaRPr lang="zh-CN" altLang="en-US"/>
           </a:p>
@@ -2210,7 +2210,7 @@
           <a:p>
             <a:fld id="{530820CF-B880-4189-942D-D702A7CBA730}" type="datetimeFigureOut">
               <a:rPr lang="zh-CN" altLang="en-US" smtClean="0"/>
-              <a:t>2021/12/21</a:t>
+              <a:t>2021/12/26</a:t>
             </a:fld>
             <a:endParaRPr lang="zh-CN" altLang="en-US"/>
           </a:p>
@@ -2458,7 +2458,7 @@
           <a:p>
             <a:fld id="{530820CF-B880-4189-942D-D702A7CBA730}" type="datetimeFigureOut">
               <a:rPr lang="zh-CN" altLang="en-US" smtClean="0"/>
-              <a:t>2021/12/21</a:t>
+              <a:t>2021/12/26</a:t>
             </a:fld>
             <a:endParaRPr lang="zh-CN" altLang="en-US"/>
           </a:p>
@@ -2666,7 +2666,7 @@
           <a:p>
             <a:fld id="{530820CF-B880-4189-942D-D702A7CBA730}" type="datetimeFigureOut">
               <a:rPr lang="zh-CN" altLang="en-US" smtClean="0"/>
-              <a:t>2021/12/21</a:t>
+              <a:t>2021/12/26</a:t>
             </a:fld>
             <a:endParaRPr lang="zh-CN" altLang="en-US"/>
           </a:p>
@@ -3038,7 +3038,7 @@
       </p:grpSpPr>
       <p:pic>
         <p:nvPicPr>
-          <p:cNvPr id="3" name="图片 2"/>
+          <p:cNvPr id="4" name="图片 3"/>
           <p:cNvPicPr>
             <a:picLocks noChangeAspect="1"/>
           </p:cNvPicPr>
@@ -3058,8 +3058,8 @@
         </p:blipFill>
         <p:spPr>
           <a:xfrm>
-            <a:off x="2487503" y="838744"/>
-            <a:ext cx="3092609" cy="3886400"/>
+            <a:off x="3203848" y="2060848"/>
+            <a:ext cx="2889398" cy="4064209"/>
           </a:xfrm>
           <a:prstGeom prst="rect">
             <a:avLst/>
@@ -3068,21 +3068,59 @@
       </p:pic>
       <p:sp>
         <p:nvSpPr>
-          <p:cNvPr id="7" name="线形标注 1 6"/>
+          <p:cNvPr id="2" name="TextBox 1"/>
+          <p:cNvSpPr txBox="1"/>
+          <p:nvPr/>
+        </p:nvSpPr>
+        <p:spPr>
+          <a:xfrm>
+            <a:off x="2649839" y="980728"/>
+            <a:ext cx="3672408" cy="523220"/>
+          </a:xfrm>
+          <a:prstGeom prst="rect">
+            <a:avLst/>
+          </a:prstGeom>
+          <a:noFill/>
+        </p:spPr>
+        <p:txBody>
+          <a:bodyPr wrap="square" rtlCol="0">
+            <a:spAutoFit/>
+          </a:bodyPr>
+          <a:lstStyle/>
+          <a:p>
+            <a:r>
+              <a:rPr lang="zh-CN" altLang="en-US" sz="2800" b="1" dirty="0" smtClean="0">
+                <a:solidFill>
+                  <a:srgbClr val="FF0000"/>
+                </a:solidFill>
+              </a:rPr>
+              <a:t>界面介绍</a:t>
+            </a:r>
+            <a:endParaRPr lang="zh-CN" altLang="en-US" sz="2800" b="1" dirty="0">
+              <a:solidFill>
+                <a:srgbClr val="FF0000"/>
+              </a:solidFill>
+            </a:endParaRPr>
+          </a:p>
+        </p:txBody>
+      </p:sp>
+      <p:sp>
+        <p:nvSpPr>
+          <p:cNvPr id="12" name="线形标注 1 11"/>
           <p:cNvSpPr/>
           <p:nvPr/>
         </p:nvSpPr>
         <p:spPr>
           <a:xfrm>
-            <a:off x="1331640" y="1484784"/>
-            <a:ext cx="936104" cy="288032"/>
+            <a:off x="2195736" y="2795437"/>
+            <a:ext cx="864096" cy="288032"/>
           </a:xfrm>
           <a:prstGeom prst="borderCallout1">
             <a:avLst>
-              <a:gd name="adj1" fmla="val 50496"/>
-              <a:gd name="adj2" fmla="val 100338"/>
-              <a:gd name="adj3" fmla="val 120437"/>
-              <a:gd name="adj4" fmla="val 158861"/>
+              <a:gd name="adj1" fmla="val 44544"/>
+              <a:gd name="adj2" fmla="val 98811"/>
+              <a:gd name="adj3" fmla="val 46141"/>
+              <a:gd name="adj4" fmla="val 159078"/>
             </a:avLst>
           </a:prstGeom>
           <a:noFill/>
@@ -3131,21 +3169,21 @@
       </p:sp>
       <p:sp>
         <p:nvSpPr>
-          <p:cNvPr id="9" name="线形标注 1 8"/>
+          <p:cNvPr id="14" name="线形标注 1 13"/>
           <p:cNvSpPr/>
           <p:nvPr/>
         </p:nvSpPr>
         <p:spPr>
           <a:xfrm>
-            <a:off x="1403648" y="2276872"/>
-            <a:ext cx="936104" cy="432048"/>
+            <a:off x="2195736" y="3501008"/>
+            <a:ext cx="864096" cy="504056"/>
           </a:xfrm>
           <a:prstGeom prst="borderCallout1">
             <a:avLst>
-              <a:gd name="adj1" fmla="val 50496"/>
-              <a:gd name="adj2" fmla="val 100338"/>
-              <a:gd name="adj3" fmla="val 86763"/>
-              <a:gd name="adj4" fmla="val 145841"/>
+              <a:gd name="adj1" fmla="val 44544"/>
+              <a:gd name="adj2" fmla="val 98811"/>
+              <a:gd name="adj3" fmla="val 45258"/>
+              <a:gd name="adj4" fmla="val 147026"/>
             </a:avLst>
           </a:prstGeom>
           <a:noFill/>
@@ -3182,23 +3220,7 @@
                   <a:srgbClr val="FF0000"/>
                 </a:solidFill>
               </a:rPr>
-              <a:t>选择</a:t>
-            </a:r>
-            <a:r>
-              <a:rPr lang="zh-CN" altLang="en-US" sz="1200" dirty="0">
-                <a:solidFill>
-                  <a:srgbClr val="FF0000"/>
-                </a:solidFill>
-              </a:rPr>
-              <a:t>卡方</a:t>
-            </a:r>
-            <a:r>
-              <a:rPr lang="zh-CN" altLang="en-US" sz="1200" dirty="0" smtClean="0">
-                <a:solidFill>
-                  <a:srgbClr val="FF0000"/>
-                </a:solidFill>
-              </a:rPr>
-              <a:t>检验方法</a:t>
+              <a:t>选择卡方检验方法</a:t>
             </a:r>
             <a:endParaRPr lang="zh-CN" altLang="en-US" sz="1200" dirty="0">
               <a:solidFill>
@@ -3210,21 +3232,21 @@
       </p:sp>
       <p:sp>
         <p:nvSpPr>
-          <p:cNvPr id="10" name="线形标注 1 9"/>
+          <p:cNvPr id="15" name="线形标注 1 14"/>
           <p:cNvSpPr/>
           <p:nvPr/>
         </p:nvSpPr>
         <p:spPr>
           <a:xfrm>
-            <a:off x="1403648" y="2939455"/>
-            <a:ext cx="936104" cy="417537"/>
+            <a:off x="2057007" y="4157712"/>
+            <a:ext cx="1141553" cy="288032"/>
           </a:xfrm>
           <a:prstGeom prst="borderCallout1">
             <a:avLst>
-              <a:gd name="adj1" fmla="val 50496"/>
-              <a:gd name="adj2" fmla="val 100338"/>
-              <a:gd name="adj3" fmla="val 85046"/>
-              <a:gd name="adj4" fmla="val 147261"/>
+              <a:gd name="adj1" fmla="val 44544"/>
+              <a:gd name="adj2" fmla="val 98811"/>
+              <a:gd name="adj3" fmla="val 46142"/>
+              <a:gd name="adj4" fmla="val 124961"/>
             </a:avLst>
           </a:prstGeom>
           <a:noFill/>
@@ -3261,7 +3283,7 @@
                   <a:srgbClr val="FF0000"/>
                 </a:solidFill>
               </a:rPr>
-              <a:t>输入指标变量列数</a:t>
+              <a:t>指标变量列数</a:t>
             </a:r>
             <a:endParaRPr lang="zh-CN" altLang="en-US" sz="1200" dirty="0">
               <a:solidFill>
@@ -3273,21 +3295,21 @@
       </p:sp>
       <p:sp>
         <p:nvSpPr>
-          <p:cNvPr id="11" name="线形标注 1 10"/>
+          <p:cNvPr id="16" name="线形标注 1 15"/>
           <p:cNvSpPr/>
           <p:nvPr/>
         </p:nvSpPr>
         <p:spPr>
           <a:xfrm>
-            <a:off x="1403648" y="3501008"/>
-            <a:ext cx="936104" cy="432048"/>
+            <a:off x="2062295" y="4725144"/>
+            <a:ext cx="1141553" cy="288032"/>
           </a:xfrm>
           <a:prstGeom prst="borderCallout1">
             <a:avLst>
-              <a:gd name="adj1" fmla="val 50496"/>
-              <a:gd name="adj2" fmla="val 100338"/>
-              <a:gd name="adj3" fmla="val 80754"/>
-              <a:gd name="adj4" fmla="val 148482"/>
+              <a:gd name="adj1" fmla="val 44544"/>
+              <a:gd name="adj2" fmla="val 98811"/>
+              <a:gd name="adj3" fmla="val 46142"/>
+              <a:gd name="adj4" fmla="val 124961"/>
             </a:avLst>
           </a:prstGeom>
           <a:noFill/>
@@ -3324,7 +3346,15 @@
                   <a:srgbClr val="FF0000"/>
                 </a:solidFill>
               </a:rPr>
-              <a:t>输入分组变量列数</a:t>
+              <a:t>分组变量</a:t>
+            </a:r>
+            <a:r>
+              <a:rPr lang="zh-CN" altLang="en-US" sz="1200" dirty="0" smtClean="0">
+                <a:solidFill>
+                  <a:srgbClr val="FF0000"/>
+                </a:solidFill>
+              </a:rPr>
+              <a:t>列数</a:t>
             </a:r>
             <a:endParaRPr lang="zh-CN" altLang="en-US" sz="1200" dirty="0">
               <a:solidFill>
@@ -3336,21 +3366,21 @@
       </p:sp>
       <p:sp>
         <p:nvSpPr>
-          <p:cNvPr id="13" name="线形标注 1 12"/>
+          <p:cNvPr id="17" name="线形标注 1 16"/>
           <p:cNvSpPr/>
           <p:nvPr/>
         </p:nvSpPr>
         <p:spPr>
           <a:xfrm>
-            <a:off x="1269326" y="4077072"/>
-            <a:ext cx="1097340" cy="288032"/>
+            <a:off x="2051720" y="5085184"/>
+            <a:ext cx="1141553" cy="288032"/>
           </a:xfrm>
           <a:prstGeom prst="borderCallout1">
             <a:avLst>
-              <a:gd name="adj1" fmla="val 50496"/>
-              <a:gd name="adj2" fmla="val 100338"/>
-              <a:gd name="adj3" fmla="val 54960"/>
-              <a:gd name="adj4" fmla="val 142988"/>
+              <a:gd name="adj1" fmla="val 44544"/>
+              <a:gd name="adj2" fmla="val 98811"/>
+              <a:gd name="adj3" fmla="val 46142"/>
+              <a:gd name="adj4" fmla="val 124961"/>
             </a:avLst>
           </a:prstGeom>
           <a:noFill/>
@@ -3399,14 +3429,77 @@
       </p:sp>
       <p:sp>
         <p:nvSpPr>
-          <p:cNvPr id="2" name="TextBox 1"/>
+          <p:cNvPr id="18" name="线形标注 1 17"/>
+          <p:cNvSpPr/>
+          <p:nvPr/>
+        </p:nvSpPr>
+        <p:spPr>
+          <a:xfrm>
+            <a:off x="2057006" y="5589240"/>
+            <a:ext cx="1141553" cy="288032"/>
+          </a:xfrm>
+          <a:prstGeom prst="borderCallout1">
+            <a:avLst>
+              <a:gd name="adj1" fmla="val 44544"/>
+              <a:gd name="adj2" fmla="val 98811"/>
+              <a:gd name="adj3" fmla="val 46142"/>
+              <a:gd name="adj4" fmla="val 124961"/>
+            </a:avLst>
+          </a:prstGeom>
+          <a:noFill/>
+          <a:ln>
+            <a:solidFill>
+              <a:srgbClr val="FF0000"/>
+            </a:solidFill>
+          </a:ln>
+        </p:spPr>
+        <p:style>
+          <a:lnRef idx="2">
+            <a:schemeClr val="accent1">
+              <a:shade val="50000"/>
+            </a:schemeClr>
+          </a:lnRef>
+          <a:fillRef idx="1">
+            <a:schemeClr val="accent1"/>
+          </a:fillRef>
+          <a:effectRef idx="0">
+            <a:schemeClr val="accent1"/>
+          </a:effectRef>
+          <a:fontRef idx="minor">
+            <a:schemeClr val="lt1"/>
+          </a:fontRef>
+        </p:style>
+        <p:txBody>
+          <a:bodyPr rtlCol="0" anchor="ctr"/>
+          <a:lstStyle/>
+          <a:p>
+            <a:pPr algn="ctr"/>
+            <a:r>
+              <a:rPr lang="zh-CN" altLang="en-US" sz="1200" dirty="0" smtClean="0">
+                <a:solidFill>
+                  <a:srgbClr val="FF0000"/>
+                </a:solidFill>
+              </a:rPr>
+              <a:t>下载结果</a:t>
+            </a:r>
+            <a:endParaRPr lang="zh-CN" altLang="en-US" sz="1200" dirty="0">
+              <a:solidFill>
+                <a:srgbClr val="FF0000"/>
+              </a:solidFill>
+            </a:endParaRPr>
+          </a:p>
+        </p:txBody>
+      </p:sp>
+      <p:sp>
+        <p:nvSpPr>
+          <p:cNvPr id="5" name="TextBox 4"/>
           <p:cNvSpPr txBox="1"/>
           <p:nvPr/>
         </p:nvSpPr>
         <p:spPr>
           <a:xfrm>
-            <a:off x="1907704" y="188640"/>
-            <a:ext cx="3672408" cy="523220"/>
+            <a:off x="3192385" y="1722294"/>
+            <a:ext cx="1656184" cy="338554"/>
           </a:xfrm>
           <a:prstGeom prst="rect">
             <a:avLst/>
@@ -3420,18 +3513,10 @@
           <a:lstStyle/>
           <a:p>
             <a:r>
-              <a:rPr lang="zh-CN" altLang="en-US" sz="2800" b="1" dirty="0" smtClean="0">
-                <a:solidFill>
-                  <a:srgbClr val="FF0000"/>
-                </a:solidFill>
-              </a:rPr>
-              <a:t>界面介绍</a:t>
-            </a:r>
-            <a:endParaRPr lang="zh-CN" altLang="en-US" sz="2800" b="1" dirty="0">
-              <a:solidFill>
-                <a:srgbClr val="FF0000"/>
-              </a:solidFill>
-            </a:endParaRPr>
+              <a:rPr lang="zh-CN" altLang="en-US" sz="1600" b="1" dirty="0" smtClean="0"/>
+              <a:t>卡方检验</a:t>
+            </a:r>
+            <a:endParaRPr lang="zh-CN" altLang="en-US" sz="1600" b="1" dirty="0"/>
           </a:p>
         </p:txBody>
       </p:sp>

--- a/chisq/界面.pptx
+++ b/chisq/界面.pptx
@@ -289,7 +289,7 @@
           <a:p>
             <a:fld id="{530820CF-B880-4189-942D-D702A7CBA730}" type="datetimeFigureOut">
               <a:rPr lang="zh-CN" altLang="en-US" smtClean="0"/>
-              <a:t>2021/12/26</a:t>
+              <a:t>2021/12/31</a:t>
             </a:fld>
             <a:endParaRPr lang="zh-CN" altLang="en-US"/>
           </a:p>
@@ -454,7 +454,7 @@
           <a:p>
             <a:fld id="{530820CF-B880-4189-942D-D702A7CBA730}" type="datetimeFigureOut">
               <a:rPr lang="zh-CN" altLang="en-US" smtClean="0"/>
-              <a:t>2021/12/26</a:t>
+              <a:t>2021/12/31</a:t>
             </a:fld>
             <a:endParaRPr lang="zh-CN" altLang="en-US"/>
           </a:p>
@@ -629,7 +629,7 @@
           <a:p>
             <a:fld id="{530820CF-B880-4189-942D-D702A7CBA730}" type="datetimeFigureOut">
               <a:rPr lang="zh-CN" altLang="en-US" smtClean="0"/>
-              <a:t>2021/12/26</a:t>
+              <a:t>2021/12/31</a:t>
             </a:fld>
             <a:endParaRPr lang="zh-CN" altLang="en-US"/>
           </a:p>
@@ -794,7 +794,7 @@
           <a:p>
             <a:fld id="{530820CF-B880-4189-942D-D702A7CBA730}" type="datetimeFigureOut">
               <a:rPr lang="zh-CN" altLang="en-US" smtClean="0"/>
-              <a:t>2021/12/26</a:t>
+              <a:t>2021/12/31</a:t>
             </a:fld>
             <a:endParaRPr lang="zh-CN" altLang="en-US"/>
           </a:p>
@@ -1035,7 +1035,7 @@
           <a:p>
             <a:fld id="{530820CF-B880-4189-942D-D702A7CBA730}" type="datetimeFigureOut">
               <a:rPr lang="zh-CN" altLang="en-US" smtClean="0"/>
-              <a:t>2021/12/26</a:t>
+              <a:t>2021/12/31</a:t>
             </a:fld>
             <a:endParaRPr lang="zh-CN" altLang="en-US"/>
           </a:p>
@@ -1318,7 +1318,7 @@
           <a:p>
             <a:fld id="{530820CF-B880-4189-942D-D702A7CBA730}" type="datetimeFigureOut">
               <a:rPr lang="zh-CN" altLang="en-US" smtClean="0"/>
-              <a:t>2021/12/26</a:t>
+              <a:t>2021/12/31</a:t>
             </a:fld>
             <a:endParaRPr lang="zh-CN" altLang="en-US"/>
           </a:p>
@@ -1735,7 +1735,7 @@
           <a:p>
             <a:fld id="{530820CF-B880-4189-942D-D702A7CBA730}" type="datetimeFigureOut">
               <a:rPr lang="zh-CN" altLang="en-US" smtClean="0"/>
-              <a:t>2021/12/26</a:t>
+              <a:t>2021/12/31</a:t>
             </a:fld>
             <a:endParaRPr lang="zh-CN" altLang="en-US"/>
           </a:p>
@@ -1848,7 +1848,7 @@
           <a:p>
             <a:fld id="{530820CF-B880-4189-942D-D702A7CBA730}" type="datetimeFigureOut">
               <a:rPr lang="zh-CN" altLang="en-US" smtClean="0"/>
-              <a:t>2021/12/26</a:t>
+              <a:t>2021/12/31</a:t>
             </a:fld>
             <a:endParaRPr lang="zh-CN" altLang="en-US"/>
           </a:p>
@@ -1938,7 +1938,7 @@
           <a:p>
             <a:fld id="{530820CF-B880-4189-942D-D702A7CBA730}" type="datetimeFigureOut">
               <a:rPr lang="zh-CN" altLang="en-US" smtClean="0"/>
-              <a:t>2021/12/26</a:t>
+              <a:t>2021/12/31</a:t>
             </a:fld>
             <a:endParaRPr lang="zh-CN" altLang="en-US"/>
           </a:p>
@@ -2210,7 +2210,7 @@
           <a:p>
             <a:fld id="{530820CF-B880-4189-942D-D702A7CBA730}" type="datetimeFigureOut">
               <a:rPr lang="zh-CN" altLang="en-US" smtClean="0"/>
-              <a:t>2021/12/26</a:t>
+              <a:t>2021/12/31</a:t>
             </a:fld>
             <a:endParaRPr lang="zh-CN" altLang="en-US"/>
           </a:p>
@@ -2458,7 +2458,7 @@
           <a:p>
             <a:fld id="{530820CF-B880-4189-942D-D702A7CBA730}" type="datetimeFigureOut">
               <a:rPr lang="zh-CN" altLang="en-US" smtClean="0"/>
-              <a:t>2021/12/26</a:t>
+              <a:t>2021/12/31</a:t>
             </a:fld>
             <a:endParaRPr lang="zh-CN" altLang="en-US"/>
           </a:p>
@@ -2666,7 +2666,7 @@
           <a:p>
             <a:fld id="{530820CF-B880-4189-942D-D702A7CBA730}" type="datetimeFigureOut">
               <a:rPr lang="zh-CN" altLang="en-US" smtClean="0"/>
-              <a:t>2021/12/26</a:t>
+              <a:t>2021/12/31</a:t>
             </a:fld>
             <a:endParaRPr lang="zh-CN" altLang="en-US"/>
           </a:p>
@@ -3038,7 +3038,7 @@
       </p:grpSpPr>
       <p:pic>
         <p:nvPicPr>
-          <p:cNvPr id="4" name="图片 3"/>
+          <p:cNvPr id="3" name="图片 2"/>
           <p:cNvPicPr>
             <a:picLocks noChangeAspect="1"/>
           </p:cNvPicPr>
@@ -3058,8 +3058,8 @@
         </p:blipFill>
         <p:spPr>
           <a:xfrm>
-            <a:off x="3203848" y="2060848"/>
-            <a:ext cx="2889398" cy="4064209"/>
+            <a:off x="3260427" y="2049791"/>
+            <a:ext cx="2895749" cy="4032457"/>
           </a:xfrm>
           <a:prstGeom prst="rect">
             <a:avLst/>
@@ -3346,15 +3346,7 @@
                   <a:srgbClr val="FF0000"/>
                 </a:solidFill>
               </a:rPr>
-              <a:t>分组变量</a:t>
-            </a:r>
-            <a:r>
-              <a:rPr lang="zh-CN" altLang="en-US" sz="1200" dirty="0" smtClean="0">
-                <a:solidFill>
-                  <a:srgbClr val="FF0000"/>
-                </a:solidFill>
-              </a:rPr>
-              <a:t>列数</a:t>
+              <a:t>分组变量列数</a:t>
             </a:r>
             <a:endParaRPr lang="zh-CN" altLang="en-US" sz="1200" dirty="0">
               <a:solidFill>
